--- a/teaching/gaodai/ch4/第4章-矩阵-课件/4.4.pptx
+++ b/teaching/gaodai/ch4/第4章-矩阵-课件/4.4.pptx
@@ -5358,7 +5358,7 @@
         </p:nvSpPr>
         <p:spPr>
           <a:xfrm>
-            <a:off x="2308860" y="3512820"/>
+            <a:off x="2304415" y="3512820"/>
             <a:ext cx="6786880" cy="2063750"/>
           </a:xfrm>
           <a:prstGeom prst="rect">
@@ -5910,6 +5910,59 @@
                       </p:childTnLst>
                     </p:cTn>
                   </p:par>
+                  <p:par>
+                    <p:cTn id="23" fill="hold">
+                      <p:stCondLst>
+                        <p:cond delay="indefinite"/>
+                      </p:stCondLst>
+                      <p:childTnLst>
+                        <p:par>
+                          <p:cTn id="24" fill="hold">
+                            <p:stCondLst>
+                              <p:cond delay="0"/>
+                            </p:stCondLst>
+                            <p:childTnLst>
+                              <p:par>
+                                <p:cTn id="25" presetID="3" presetClass="entr" presetSubtype="10" fill="hold" grpId="0" nodeType="clickEffect">
+                                  <p:stCondLst>
+                                    <p:cond delay="0"/>
+                                  </p:stCondLst>
+                                  <p:childTnLst>
+                                    <p:set>
+                                      <p:cBhvr>
+                                        <p:cTn id="26" dur="1" fill="hold">
+                                          <p:stCondLst>
+                                            <p:cond delay="0"/>
+                                          </p:stCondLst>
+                                        </p:cTn>
+                                        <p:tgtEl>
+                                          <p:spTgt spid="5124"/>
+                                        </p:tgtEl>
+                                        <p:attrNameLst>
+                                          <p:attrName>style.visibility</p:attrName>
+                                        </p:attrNameLst>
+                                      </p:cBhvr>
+                                      <p:to>
+                                        <p:strVal val="visible"/>
+                                      </p:to>
+                                    </p:set>
+                                    <p:animEffect transition="in" filter="blinds(horizontal)">
+                                      <p:cBhvr>
+                                        <p:cTn id="27" dur="500"/>
+                                        <p:tgtEl>
+                                          <p:spTgt spid="5124"/>
+                                        </p:tgtEl>
+                                      </p:cBhvr>
+                                    </p:animEffect>
+                                  </p:childTnLst>
+                                </p:cTn>
+                              </p:par>
+                            </p:childTnLst>
+                          </p:cTn>
+                        </p:par>
+                      </p:childTnLst>
+                    </p:cTn>
+                  </p:par>
                 </p:childTnLst>
               </p:cTn>
               <p:prevCondLst>
@@ -5933,6 +5986,7 @@
     </p:tnLst>
     <p:bldLst>
       <p:bldP spid="9" grpId="0"/>
+      <p:bldP spid="5124" grpId="0"/>
     </p:bldLst>
   </p:timing>
 </p:sld>
@@ -6124,7 +6178,7 @@
               </a:rPr>
               <a:t>的代</a:t>
             </a:r>
-            <a:endParaRPr lang="zh-CN" altLang="en-US" sz="2400" b="1" dirty="0">
+            <a:endParaRPr lang="en-US" altLang="zh-CN" sz="2400" b="1" dirty="0">
               <a:latin typeface="Times New Roman" panose="02020703060505090304" pitchFamily="18" charset="0"/>
               <a:ea typeface="宋体" panose="02010600030101010101" charset="-122"/>
             </a:endParaRPr>
@@ -6346,7 +6400,7 @@
         </p:blipFill>
         <p:spPr>
           <a:xfrm>
-            <a:off x="3867150" y="3850005"/>
+            <a:off x="1992630" y="4503420"/>
             <a:ext cx="3941445" cy="1404620"/>
           </a:xfrm>
           <a:prstGeom prst="rect">
@@ -6370,7 +6424,7 @@
         </p:blipFill>
         <p:spPr>
           <a:xfrm>
-            <a:off x="3867150" y="5473700"/>
+            <a:off x="6548755" y="4503420"/>
             <a:ext cx="3941445" cy="1404620"/>
           </a:xfrm>
           <a:prstGeom prst="rect">
